--- a/企画書/企画書.pptx
+++ b/企画書/企画書.pptx
@@ -9,6 +9,7 @@
     <p:sldId id="257" r:id="rId3"/>
     <p:sldId id="258" r:id="rId4"/>
     <p:sldId id="259" r:id="rId5"/>
+    <p:sldId id="260" r:id="rId6"/>
   </p:sldIdLst>
   <p:sldSz cx="12192000" cy="6858000"/>
   <p:notesSz cx="6858000" cy="9144000"/>
@@ -3375,8 +3376,8 @@
         </p:nvSpPr>
         <p:spPr>
           <a:xfrm>
-            <a:off x="8929568" y="4949786"/>
-            <a:ext cx="3262432" cy="338554"/>
+            <a:off x="8519199" y="4949786"/>
+            <a:ext cx="3672801" cy="338554"/>
           </a:xfrm>
           <a:prstGeom prst="rect">
             <a:avLst/>
@@ -3391,8 +3392,12 @@
           <a:p>
             <a:pPr algn="r"/>
             <a:r>
+              <a:rPr lang="ja-JP" altLang="en-US" sz="1600" dirty="0" smtClean="0"/>
+              <a:t>チーム名：チームピザ</a:t>
+            </a:r>
+            <a:r>
               <a:rPr lang="ja-JP" altLang="en-US" sz="1600" dirty="0"/>
-              <a:t>チームチームピザよりの</a:t>
+              <a:t>よりの</a:t>
             </a:r>
             <a:r>
               <a:rPr lang="ja-JP" altLang="en-US" sz="1600" dirty="0" smtClean="0"/>
@@ -5605,6 +5610,226 @@
     <p:extLst>
       <p:ext uri="{BB962C8B-B14F-4D97-AF65-F5344CB8AC3E}">
         <p14:creationId xmlns:p14="http://schemas.microsoft.com/office/powerpoint/2010/main" val="2966407933"/>
+      </p:ext>
+    </p:extLst>
+  </p:cSld>
+  <p:clrMapOvr>
+    <a:masterClrMapping/>
+  </p:clrMapOvr>
+</p:sld>
+</file>
+
+<file path=ppt/slides/slide5.xml><?xml version="1.0" encoding="utf-8"?>
+<p:sld xmlns:a="http://schemas.openxmlformats.org/drawingml/2006/main" xmlns:r="http://schemas.openxmlformats.org/officeDocument/2006/relationships" xmlns:p="http://schemas.openxmlformats.org/presentationml/2006/main">
+  <p:cSld>
+    <p:spTree>
+      <p:nvGrpSpPr>
+        <p:cNvPr id="1" name=""/>
+        <p:cNvGrpSpPr/>
+        <p:nvPr/>
+      </p:nvGrpSpPr>
+      <p:grpSpPr>
+        <a:xfrm>
+          <a:off x="0" y="0"/>
+          <a:ext cx="0" cy="0"/>
+          <a:chOff x="0" y="0"/>
+          <a:chExt cx="0" cy="0"/>
+        </a:xfrm>
+      </p:grpSpPr>
+      <p:sp>
+        <p:nvSpPr>
+          <p:cNvPr id="4" name="角丸四角形 3"/>
+          <p:cNvSpPr/>
+          <p:nvPr/>
+        </p:nvSpPr>
+        <p:spPr>
+          <a:xfrm>
+            <a:off x="4123174" y="1113997"/>
+            <a:ext cx="3945652" cy="856734"/>
+          </a:xfrm>
+          <a:prstGeom prst="roundRect">
+            <a:avLst/>
+          </a:prstGeom>
+          <a:solidFill>
+            <a:schemeClr val="bg1"/>
+          </a:solidFill>
+          <a:ln w="53975" cap="flat" cmpd="thickThin">
+            <a:solidFill>
+              <a:schemeClr val="accent2"/>
+            </a:solidFill>
+            <a:miter lim="800000"/>
+          </a:ln>
+        </p:spPr>
+        <p:style>
+          <a:lnRef idx="2">
+            <a:schemeClr val="accent1">
+              <a:shade val="50000"/>
+            </a:schemeClr>
+          </a:lnRef>
+          <a:fillRef idx="1">
+            <a:schemeClr val="accent1"/>
+          </a:fillRef>
+          <a:effectRef idx="0">
+            <a:schemeClr val="accent1"/>
+          </a:effectRef>
+          <a:fontRef idx="minor">
+            <a:schemeClr val="lt1"/>
+          </a:fontRef>
+        </p:style>
+        <p:txBody>
+          <a:bodyPr rtlCol="0" anchor="ctr"/>
+          <a:lstStyle/>
+          <a:p>
+            <a:pPr algn="ctr"/>
+            <a:endParaRPr kumimoji="1" lang="ja-JP" altLang="en-US"/>
+          </a:p>
+        </p:txBody>
+      </p:sp>
+      <p:sp>
+        <p:nvSpPr>
+          <p:cNvPr id="2" name="テキスト ボックス 1"/>
+          <p:cNvSpPr txBox="1"/>
+          <p:nvPr/>
+        </p:nvSpPr>
+        <p:spPr>
+          <a:xfrm>
+            <a:off x="2236573" y="1219197"/>
+            <a:ext cx="7718854" cy="646331"/>
+          </a:xfrm>
+          <a:prstGeom prst="rect">
+            <a:avLst/>
+          </a:prstGeom>
+          <a:noFill/>
+        </p:spPr>
+        <p:txBody>
+          <a:bodyPr wrap="square" rtlCol="0">
+            <a:spAutoFit/>
+          </a:bodyPr>
+          <a:lstStyle/>
+          <a:p>
+            <a:pPr algn="ctr"/>
+            <a:r>
+              <a:rPr kumimoji="1" lang="ja-JP" altLang="en-US" sz="3600" dirty="0" smtClean="0">
+                <a:solidFill>
+                  <a:schemeClr val="accent2"/>
+                </a:solidFill>
+                <a:latin typeface="ニコ角" panose="02000600000000000000" pitchFamily="2" charset="-128"/>
+                <a:ea typeface="ニコ角" panose="02000600000000000000" pitchFamily="2" charset="-128"/>
+              </a:rPr>
+              <a:t>セールスポイント</a:t>
+            </a:r>
+            <a:endParaRPr kumimoji="1" lang="en-US" altLang="ja-JP" sz="3600" dirty="0" smtClean="0">
+              <a:solidFill>
+                <a:schemeClr val="accent2"/>
+              </a:solidFill>
+              <a:latin typeface="ニコ角" panose="02000600000000000000" pitchFamily="2" charset="-128"/>
+              <a:ea typeface="ニコ角" panose="02000600000000000000" pitchFamily="2" charset="-128"/>
+            </a:endParaRPr>
+          </a:p>
+        </p:txBody>
+      </p:sp>
+      <p:sp>
+        <p:nvSpPr>
+          <p:cNvPr id="3" name="テキスト ボックス 2"/>
+          <p:cNvSpPr txBox="1"/>
+          <p:nvPr/>
+        </p:nvSpPr>
+        <p:spPr>
+          <a:xfrm>
+            <a:off x="1005017" y="2705725"/>
+            <a:ext cx="10181967" cy="1446550"/>
+          </a:xfrm>
+          <a:prstGeom prst="rect">
+            <a:avLst/>
+          </a:prstGeom>
+          <a:noFill/>
+        </p:spPr>
+        <p:txBody>
+          <a:bodyPr wrap="square" rtlCol="0">
+            <a:spAutoFit/>
+          </a:bodyPr>
+          <a:lstStyle/>
+          <a:p>
+            <a:pPr algn="ctr"/>
+            <a:r>
+              <a:rPr lang="ja-JP" altLang="en-US" sz="4400" dirty="0">
+                <a:latin typeface="ニコモジ＋" panose="02000600000000000000" pitchFamily="2" charset="-128"/>
+                <a:ea typeface="ニコモジ＋" panose="02000600000000000000" pitchFamily="2" charset="-128"/>
+              </a:rPr>
+              <a:t>ルールが</a:t>
+            </a:r>
+            <a:r>
+              <a:rPr lang="ja-JP" altLang="en-US" sz="4400" dirty="0">
+                <a:solidFill>
+                  <a:schemeClr val="accent4"/>
+                </a:solidFill>
+                <a:latin typeface="ニコモジ＋" panose="02000600000000000000" pitchFamily="2" charset="-128"/>
+                <a:ea typeface="ニコモジ＋" panose="02000600000000000000" pitchFamily="2" charset="-128"/>
+              </a:rPr>
+              <a:t>シンプル</a:t>
+            </a:r>
+            <a:r>
+              <a:rPr lang="ja-JP" altLang="en-US" sz="4400" dirty="0">
+                <a:latin typeface="ニコモジ＋" panose="02000600000000000000" pitchFamily="2" charset="-128"/>
+                <a:ea typeface="ニコモジ＋" panose="02000600000000000000" pitchFamily="2" charset="-128"/>
+              </a:rPr>
+              <a:t>で遊びやすいゲーム</a:t>
+            </a:r>
+          </a:p>
+          <a:p>
+            <a:pPr algn="ctr"/>
+            <a:r>
+              <a:rPr lang="ja-JP" altLang="en-US" sz="4400" dirty="0">
+                <a:latin typeface="ニコモジ＋" panose="02000600000000000000" pitchFamily="2" charset="-128"/>
+                <a:ea typeface="ニコモジ＋" panose="02000600000000000000" pitchFamily="2" charset="-128"/>
+              </a:rPr>
+              <a:t>最後まで</a:t>
+            </a:r>
+            <a:r>
+              <a:rPr lang="ja-JP" altLang="en-US" sz="4400" dirty="0">
+                <a:solidFill>
+                  <a:srgbClr val="7030A0"/>
+                </a:solidFill>
+                <a:latin typeface="ニコモジ＋" panose="02000600000000000000" pitchFamily="2" charset="-128"/>
+                <a:ea typeface="ニコモジ＋" panose="02000600000000000000" pitchFamily="2" charset="-128"/>
+              </a:rPr>
+              <a:t>結果が分からない</a:t>
+            </a:r>
+            <a:r>
+              <a:rPr lang="ja-JP" altLang="en-US" sz="4400" dirty="0">
+                <a:latin typeface="ニコモジ＋" panose="02000600000000000000" pitchFamily="2" charset="-128"/>
+                <a:ea typeface="ニコモジ＋" panose="02000600000000000000" pitchFamily="2" charset="-128"/>
+              </a:rPr>
+              <a:t>から</a:t>
+            </a:r>
+            <a:r>
+              <a:rPr lang="ja-JP" altLang="en-US" sz="4400" dirty="0">
+                <a:solidFill>
+                  <a:srgbClr val="FF0000"/>
+                </a:solidFill>
+                <a:latin typeface="ニコモジ＋" panose="02000600000000000000" pitchFamily="2" charset="-128"/>
+                <a:ea typeface="ニコモジ＋" panose="02000600000000000000" pitchFamily="2" charset="-128"/>
+              </a:rPr>
+              <a:t>飽きず</a:t>
+            </a:r>
+            <a:r>
+              <a:rPr lang="ja-JP" altLang="en-US" sz="4400" dirty="0">
+                <a:latin typeface="ニコモジ＋" panose="02000600000000000000" pitchFamily="2" charset="-128"/>
+                <a:ea typeface="ニコモジ＋" panose="02000600000000000000" pitchFamily="2" charset="-128"/>
+              </a:rPr>
+              <a:t>遊べる</a:t>
+            </a:r>
+            <a:endParaRPr kumimoji="1" lang="ja-JP" altLang="en-US" sz="4400" dirty="0">
+              <a:latin typeface="ニコモジ＋" panose="02000600000000000000" pitchFamily="2" charset="-128"/>
+              <a:ea typeface="ニコモジ＋" panose="02000600000000000000" pitchFamily="2" charset="-128"/>
+            </a:endParaRPr>
+          </a:p>
+        </p:txBody>
+      </p:sp>
+    </p:spTree>
+    <p:extLst>
+      <p:ext uri="{BB962C8B-B14F-4D97-AF65-F5344CB8AC3E}">
+        <p14:creationId xmlns:p14="http://schemas.microsoft.com/office/powerpoint/2010/main" val="3719302773"/>
       </p:ext>
     </p:extLst>
   </p:cSld>
